--- a/מצגות שלי/3_Jinja.pptx
+++ b/מצגות שלי/3_Jinja.pptx
@@ -225,7 +225,7 @@
           <a:p>
             <a:fld id="{2619FA33-5C78-4040-A82F-ED8AE39E5D1E}" type="datetimeFigureOut">
               <a:rPr lang="en-US" smtClean="0"/>
-              <a:t>9/30/20</a:t>
+              <a:t>12/19/20</a:t>
             </a:fld>
             <a:endParaRPr lang="en-US"/>
           </a:p>
@@ -5324,7 +5324,7 @@
           <a:p>
             <a:fld id="{B1594BF9-9545-5146-9B36-52C3009DFD5B}" type="datetime1">
               <a:rPr lang="en-US" smtClean="0"/>
-              <a:t>9/30/20</a:t>
+              <a:t>12/19/20</a:t>
             </a:fld>
             <a:endParaRPr lang="en-US"/>
           </a:p>
@@ -7814,7 +7814,7 @@
           <a:p>
             <a:fld id="{0B4C31AD-AE96-1843-9F53-89EF7B21E3B6}" type="datetime1">
               <a:rPr lang="en-US" smtClean="0"/>
-              <a:t>9/30/20</a:t>
+              <a:t>12/19/20</a:t>
             </a:fld>
             <a:endParaRPr lang="en-US"/>
           </a:p>
@@ -8012,7 +8012,7 @@
           <a:p>
             <a:fld id="{B1B4C1A5-5C9E-F344-B3D5-658DD73E1128}" type="datetime1">
               <a:rPr lang="en-US" smtClean="0"/>
-              <a:t>9/30/20</a:t>
+              <a:t>12/19/20</a:t>
             </a:fld>
             <a:endParaRPr lang="en-US"/>
           </a:p>
@@ -8220,7 +8220,7 @@
           <a:p>
             <a:fld id="{9FC51F77-9C3D-5E40-A8B2-46453E3B6E43}" type="datetime1">
               <a:rPr lang="en-US" smtClean="0"/>
-              <a:t>9/30/20</a:t>
+              <a:t>12/19/20</a:t>
             </a:fld>
             <a:endParaRPr lang="en-US"/>
           </a:p>
@@ -8957,7 +8957,7 @@
           <a:p>
             <a:fld id="{280D95B4-A5D9-B74F-A981-B5F53E7ED6FB}" type="datetime1">
               <a:rPr lang="en-US" smtClean="0"/>
-              <a:t>9/30/20</a:t>
+              <a:t>12/19/20</a:t>
             </a:fld>
             <a:endParaRPr lang="en-US"/>
           </a:p>
@@ -9599,7 +9599,7 @@
           <a:p>
             <a:fld id="{116DE3D2-DCC1-8E45-9614-6E42FCEB31A5}" type="datetime1">
               <a:rPr lang="en-US" smtClean="0"/>
-              <a:t>9/30/20</a:t>
+              <a:t>12/19/20</a:t>
             </a:fld>
             <a:endParaRPr lang="en-US"/>
           </a:p>
@@ -10399,7 +10399,7 @@
           <a:p>
             <a:fld id="{43C05CF2-D19B-6D4F-9F1C-B9B4837773DF}" type="datetime1">
               <a:rPr lang="en-US" smtClean="0"/>
-              <a:t>9/30/20</a:t>
+              <a:t>12/19/20</a:t>
             </a:fld>
             <a:endParaRPr lang="en-US"/>
           </a:p>
@@ -11350,7 +11350,7 @@
           <a:p>
             <a:fld id="{185C162C-DC6E-2341-8BF1-6F6DCBA55482}" type="datetime1">
               <a:rPr lang="en-US" smtClean="0"/>
-              <a:t>9/30/20</a:t>
+              <a:t>12/19/20</a:t>
             </a:fld>
             <a:endParaRPr lang="en-US"/>
           </a:p>
@@ -13699,7 +13699,7 @@
           <a:p>
             <a:fld id="{787FC823-DE43-6C4A-AD43-01421086DC7A}" type="datetime1">
               <a:rPr lang="en-US" smtClean="0"/>
-              <a:t>9/30/20</a:t>
+              <a:t>12/19/20</a:t>
             </a:fld>
             <a:endParaRPr lang="en-US"/>
           </a:p>
@@ -13812,7 +13812,7 @@
           <a:p>
             <a:fld id="{727376A1-6F0A-9A46-B656-2413603BB76F}" type="datetime1">
               <a:rPr lang="en-US" smtClean="0"/>
-              <a:t>9/30/20</a:t>
+              <a:t>12/19/20</a:t>
             </a:fld>
             <a:endParaRPr lang="en-US"/>
           </a:p>
@@ -14319,7 +14319,7 @@
           <a:p>
             <a:fld id="{E9615236-1845-164F-BED2-F0BE6118DB31}" type="datetime1">
               <a:rPr lang="en-US" smtClean="0"/>
-              <a:t>9/30/20</a:t>
+              <a:t>12/19/20</a:t>
             </a:fld>
             <a:endParaRPr lang="en-US"/>
           </a:p>
@@ -15622,7 +15622,7 @@
           <a:p>
             <a:fld id="{EDC433A5-F7A6-434A-9F78-8C41A204696C}" type="datetime1">
               <a:rPr lang="en-US" smtClean="0"/>
-              <a:t>9/30/20</a:t>
+              <a:t>12/19/20</a:t>
             </a:fld>
             <a:endParaRPr lang="en-US"/>
           </a:p>
@@ -15869,7 +15869,7 @@
           <a:p>
             <a:fld id="{4AE19DD7-7DA8-084D-9AE4-CCB2D147EA86}" type="datetime1">
               <a:rPr lang="en-US" smtClean="0"/>
-              <a:t>9/30/20</a:t>
+              <a:t>12/19/20</a:t>
             </a:fld>
             <a:endParaRPr lang="en-US"/>
           </a:p>
@@ -25217,15 +25217,11 @@
             <a:pPr algn="r" rtl="1"/>
             <a:r>
               <a:rPr lang="he-IL" dirty="0"/>
-              <a:t>ניתן להגדיר ערך ברירת מחדל למשתנים באמצעות </a:t>
-            </a:r>
-            <a:r>
-              <a:rPr lang="he-IL" dirty="0" err="1"/>
-              <a:t>פעולץ</a:t>
-            </a:r>
-            <a:r>
-              <a:rPr lang="he-IL" dirty="0"/>
-              <a:t> </a:t>
+              <a:t>ניתן להגדיר ערך ברירת מחדל למשתנים </a:t>
+            </a:r>
+            <a:r>
+              <a:rPr lang="he-IL"/>
+              <a:t>באמצעות פעולת </a:t>
             </a:r>
             <a:r>
               <a:rPr lang="en-US" dirty="0"/>

--- a/מצגות שלי/3_Jinja.pptx
+++ b/מצגות שלי/3_Jinja.pptx
@@ -225,7 +225,7 @@
           <a:p>
             <a:fld id="{2619FA33-5C78-4040-A82F-ED8AE39E5D1E}" type="datetimeFigureOut">
               <a:rPr lang="en-US" smtClean="0"/>
-              <a:t>12/19/20</a:t>
+              <a:t>5/4/21</a:t>
             </a:fld>
             <a:endParaRPr lang="en-US"/>
           </a:p>
@@ -5324,7 +5324,7 @@
           <a:p>
             <a:fld id="{B1594BF9-9545-5146-9B36-52C3009DFD5B}" type="datetime1">
               <a:rPr lang="en-US" smtClean="0"/>
-              <a:t>12/19/20</a:t>
+              <a:t>5/4/21</a:t>
             </a:fld>
             <a:endParaRPr lang="en-US"/>
           </a:p>
@@ -7814,7 +7814,7 @@
           <a:p>
             <a:fld id="{0B4C31AD-AE96-1843-9F53-89EF7B21E3B6}" type="datetime1">
               <a:rPr lang="en-US" smtClean="0"/>
-              <a:t>12/19/20</a:t>
+              <a:t>5/4/21</a:t>
             </a:fld>
             <a:endParaRPr lang="en-US"/>
           </a:p>
@@ -8012,7 +8012,7 @@
           <a:p>
             <a:fld id="{B1B4C1A5-5C9E-F344-B3D5-658DD73E1128}" type="datetime1">
               <a:rPr lang="en-US" smtClean="0"/>
-              <a:t>12/19/20</a:t>
+              <a:t>5/4/21</a:t>
             </a:fld>
             <a:endParaRPr lang="en-US"/>
           </a:p>
@@ -8220,7 +8220,7 @@
           <a:p>
             <a:fld id="{9FC51F77-9C3D-5E40-A8B2-46453E3B6E43}" type="datetime1">
               <a:rPr lang="en-US" smtClean="0"/>
-              <a:t>12/19/20</a:t>
+              <a:t>5/4/21</a:t>
             </a:fld>
             <a:endParaRPr lang="en-US"/>
           </a:p>
@@ -8957,7 +8957,7 @@
           <a:p>
             <a:fld id="{280D95B4-A5D9-B74F-A981-B5F53E7ED6FB}" type="datetime1">
               <a:rPr lang="en-US" smtClean="0"/>
-              <a:t>12/19/20</a:t>
+              <a:t>5/4/21</a:t>
             </a:fld>
             <a:endParaRPr lang="en-US"/>
           </a:p>
@@ -9599,7 +9599,7 @@
           <a:p>
             <a:fld id="{116DE3D2-DCC1-8E45-9614-6E42FCEB31A5}" type="datetime1">
               <a:rPr lang="en-US" smtClean="0"/>
-              <a:t>12/19/20</a:t>
+              <a:t>5/4/21</a:t>
             </a:fld>
             <a:endParaRPr lang="en-US"/>
           </a:p>
@@ -10399,7 +10399,7 @@
           <a:p>
             <a:fld id="{43C05CF2-D19B-6D4F-9F1C-B9B4837773DF}" type="datetime1">
               <a:rPr lang="en-US" smtClean="0"/>
-              <a:t>12/19/20</a:t>
+              <a:t>5/4/21</a:t>
             </a:fld>
             <a:endParaRPr lang="en-US"/>
           </a:p>
@@ -11350,7 +11350,7 @@
           <a:p>
             <a:fld id="{185C162C-DC6E-2341-8BF1-6F6DCBA55482}" type="datetime1">
               <a:rPr lang="en-US" smtClean="0"/>
-              <a:t>12/19/20</a:t>
+              <a:t>5/4/21</a:t>
             </a:fld>
             <a:endParaRPr lang="en-US"/>
           </a:p>
@@ -13699,7 +13699,7 @@
           <a:p>
             <a:fld id="{787FC823-DE43-6C4A-AD43-01421086DC7A}" type="datetime1">
               <a:rPr lang="en-US" smtClean="0"/>
-              <a:t>12/19/20</a:t>
+              <a:t>5/4/21</a:t>
             </a:fld>
             <a:endParaRPr lang="en-US"/>
           </a:p>
@@ -13812,7 +13812,7 @@
           <a:p>
             <a:fld id="{727376A1-6F0A-9A46-B656-2413603BB76F}" type="datetime1">
               <a:rPr lang="en-US" smtClean="0"/>
-              <a:t>12/19/20</a:t>
+              <a:t>5/4/21</a:t>
             </a:fld>
             <a:endParaRPr lang="en-US"/>
           </a:p>
@@ -14319,7 +14319,7 @@
           <a:p>
             <a:fld id="{E9615236-1845-164F-BED2-F0BE6118DB31}" type="datetime1">
               <a:rPr lang="en-US" smtClean="0"/>
-              <a:t>12/19/20</a:t>
+              <a:t>5/4/21</a:t>
             </a:fld>
             <a:endParaRPr lang="en-US"/>
           </a:p>
@@ -15622,7 +15622,7 @@
           <a:p>
             <a:fld id="{EDC433A5-F7A6-434A-9F78-8C41A204696C}" type="datetime1">
               <a:rPr lang="en-US" smtClean="0"/>
-              <a:t>12/19/20</a:t>
+              <a:t>5/4/21</a:t>
             </a:fld>
             <a:endParaRPr lang="en-US"/>
           </a:p>
@@ -15869,7 +15869,7 @@
           <a:p>
             <a:fld id="{4AE19DD7-7DA8-084D-9AE4-CCB2D147EA86}" type="datetime1">
               <a:rPr lang="en-US" smtClean="0"/>
-              <a:t>12/19/20</a:t>
+              <a:t>5/4/21</a:t>
             </a:fld>
             <a:endParaRPr lang="en-US"/>
           </a:p>
@@ -19373,7 +19373,19 @@
             </a:r>
             <a:r>
               <a:rPr lang="en-US" dirty="0"/>
-              <a:t>{% for KEY, VAL in OBJECT %}</a:t>
+              <a:t>{% for KEY, VAL in </a:t>
+            </a:r>
+            <a:r>
+              <a:rPr lang="en-US" dirty="0" err="1"/>
+              <a:t>OBJECT.items</a:t>
+            </a:r>
+            <a:r>
+              <a:rPr lang="en-US"/>
+              <a:t>() </a:t>
+            </a:r>
+            <a:r>
+              <a:rPr lang="en-US" dirty="0"/>
+              <a:t>%}</a:t>
             </a:r>
             <a:endParaRPr lang="he-IL" dirty="0"/>
           </a:p>
